--- a/Examples/Data/Charts/FormattedChart_out.pptx
+++ b/Examples/Data/Charts/FormattedChart_out.pptx
@@ -1,6 +1,6 @@
 
 <file path=ppt/presentation.xml><?xml version="1.0" encoding="utf-8"?>
-<!--Generated by Aspose.Slides for .NET 19.5-->
+<!--Generated by Aspose.Slides for .NET 19.6-->
 <p:presentation xmlns:r="http://schemas.openxmlformats.org/officeDocument/2006/relationships" xmlns:a="http://schemas.openxmlformats.org/drawingml/2006/main" xmlns:p="http://schemas.openxmlformats.org/presentationml/2006/main" saveSubsetFonts="1">
   <p:sldMasterIdLst>
     <p:sldMasterId id="2147483648" r:id="rId1"/>
@@ -719,7 +719,7 @@
           <a:bodyPr/>
           <a:lstStyle/>
           <a:p>
-            <a:fld id="{D714A455-D030-4528-8277-37A4D9A91F30}" type="datetimeFigureOut">
+            <a:fld id="{6E8B4F6A-E8DE-4918-AB16-C432669782FE}" type="datetimeFigureOut">
               <a:rPr lang="en-US" smtClean="0"/>
               <a:t>11/7/2009</a:t>
             </a:fld>
@@ -883,7 +883,7 @@
           <a:bodyPr/>
           <a:lstStyle/>
           <a:p>
-            <a:fld id="{A63ABE84-BE43-40EB-A8CA-13160052CED4}" type="datetimeFigureOut">
+            <a:fld id="{18F9DF2E-3AB5-4616-B4CE-0CDF1630E9D5}" type="datetimeFigureOut">
               <a:rPr lang="en-US" smtClean="0"/>
               <a:t>11/7/2009</a:t>
             </a:fld>
@@ -1047,7 +1047,7 @@
           <a:bodyPr/>
           <a:lstStyle/>
           <a:p>
-            <a:fld id="{AF07B873-BE67-4901-82D8-4849E4E21DA0}" type="datetimeFigureOut">
+            <a:fld id="{959DEB68-04DD-467F-9B72-9E45152A122B}" type="datetimeFigureOut">
               <a:rPr lang="en-US" smtClean="0"/>
               <a:t>11/7/2009</a:t>
             </a:fld>
@@ -1211,7 +1211,7 @@
           <a:bodyPr/>
           <a:lstStyle/>
           <a:p>
-            <a:fld id="{F0B4CE45-0144-441C-89B3-07584761F285}" type="datetimeFigureOut">
+            <a:fld id="{CFA373F6-CD3C-4F65-B65B-C7B9D14A2D65}" type="datetimeFigureOut">
               <a:rPr lang="en-US" smtClean="0"/>
               <a:t>11/7/2009</a:t>
             </a:fld>
@@ -1441,7 +1441,7 @@
           <a:bodyPr/>
           <a:lstStyle/>
           <a:p>
-            <a:fld id="{DDF08D88-310D-4ECD-90AA-A8C02C6864D3}" type="datetimeFigureOut">
+            <a:fld id="{1AC89EB6-4209-433B-966C-CEFA3D79CD03}" type="datetimeFigureOut">
               <a:rPr lang="en-US" smtClean="0"/>
               <a:t>11/7/2009</a:t>
             </a:fld>
@@ -1712,7 +1712,7 @@
           <a:bodyPr/>
           <a:lstStyle/>
           <a:p>
-            <a:fld id="{B4AEA3DC-1FE0-45B7-B7B3-EAC16C936F46}" type="datetimeFigureOut">
+            <a:fld id="{AD7D1567-B870-433F-A790-4DF8EAD161F9}" type="datetimeFigureOut">
               <a:rPr lang="en-US" smtClean="0"/>
               <a:t>11/7/2009</a:t>
             </a:fld>
@@ -2101,7 +2101,7 @@
           <a:bodyPr/>
           <a:lstStyle/>
           <a:p>
-            <a:fld id="{C1A5840F-805F-4DF6-B9A7-BE1B7110CA91}" type="datetimeFigureOut">
+            <a:fld id="{07BFE171-660F-442F-9BA2-595590F507C4}" type="datetimeFigureOut">
               <a:rPr lang="en-US" smtClean="0"/>
               <a:t>11/7/2009</a:t>
             </a:fld>
@@ -2214,7 +2214,7 @@
           <a:bodyPr/>
           <a:lstStyle/>
           <a:p>
-            <a:fld id="{E3EED502-9A66-45BC-B611-11C1EA0B4996}" type="datetimeFigureOut">
+            <a:fld id="{5125B908-8403-4C54-A186-ADD7C62B4F66}" type="datetimeFigureOut">
               <a:rPr lang="en-US" smtClean="0"/>
               <a:t>11/7/2009</a:t>
             </a:fld>
@@ -2304,7 +2304,7 @@
           <a:bodyPr/>
           <a:lstStyle/>
           <a:p>
-            <a:fld id="{D26B7466-B03E-4523-852B-35F36F138262}" type="datetimeFigureOut">
+            <a:fld id="{D261F3D2-4F27-4908-A1FC-1CED10D55C53}" type="datetimeFigureOut">
               <a:rPr lang="en-US" smtClean="0"/>
               <a:t>11/7/2009</a:t>
             </a:fld>
@@ -2559,7 +2559,7 @@
           <a:bodyPr/>
           <a:lstStyle/>
           <a:p>
-            <a:fld id="{92E992E8-D73E-434E-80AB-944B1864B91D}" type="datetimeFigureOut">
+            <a:fld id="{C5C06556-9C0D-453B-AA12-7EFC63EFBE26}" type="datetimeFigureOut">
               <a:rPr lang="en-US" smtClean="0"/>
               <a:t>11/7/2009</a:t>
             </a:fld>
@@ -2791,7 +2791,7 @@
           <a:bodyPr/>
           <a:lstStyle/>
           <a:p>
-            <a:fld id="{B4BA8AF3-D1CD-4AB4-A3DD-595D56DE9773}" type="datetimeFigureOut">
+            <a:fld id="{00BFD42F-E9D8-4933-AC2E-1A3CFA41F593}" type="datetimeFigureOut">
               <a:rPr lang="en-US" smtClean="0"/>
               <a:t>11/7/2009</a:t>
             </a:fld>
@@ -3386,77 +3386,6 @@
           </a:graphicData>
         </a:graphic>
       </p:graphicFrame>
-      <p:sp>
-        <p:nvSpPr>
-          <p:cNvPr id="3" name="TextBox"/>
-          <p:cNvSpPr txBox="1">
-            <a:spLocks noGrp="1" noSelect="1" noRot="1" noMove="1"/>
-          </p:cNvSpPr>
-          <p:nvPr/>
-        </p:nvSpPr>
-        <p:spPr>
-          <a:xfrm>
-            <a:off x="1366520" y="2644140"/>
-            <a:ext cx="6411372" cy="1569660"/>
-          </a:xfrm>
-          <a:prstGeom prst="rect">
-            <a:avLst/>
-          </a:prstGeom>
-          <a:noFill/>
-        </p:spPr>
-        <p:txBody>
-          <a:bodyPr wrap="none" rtlCol="0" anchor="ctr" anchorCtr="1">
-            <a:spAutoFit/>
-          </a:bodyPr>
-          <a:lstStyle>
-            <a:lvl1pPr algn="l">
-              <a:lnSpc>
-                <a:spcPct val="150000"/>
-              </a:lnSpc>
-              <a:spcBef>
-                <a:spcPct val="0"/>
-              </a:spcBef>
-              <a:spcAft>
-                <a:spcPct val="0"/>
-              </a:spcAft>
-              <a:defRPr lang="en-US" sz="3200" b="1" noProof="1" dirty="0">
-                <a:solidFill>
-                  <a:prstClr val="red">
-                    <a:lumOff val="30000"/>
-                    <a:alpha val="40000"/>
-                  </a:prstClr>
-                </a:solidFill>
-                <a:effectLst>
-                  <a:outerShdw blurRad="50800" dist="38100" algn="tr" rotWithShape="0">
-                    <a:prstClr val="black">
-                      <a:alpha val="80000"/>
-                    </a:prstClr>
-                  </a:outerShdw>
-                </a:effectLst>
-                <a:latin typeface="Calibri" pitchFamily="34" charset="0"/>
-              </a:defRPr>
-            </a:lvl1pPr>
-          </a:lstStyle>
-          <a:p>
-            <a:pPr algn="ctr"/>
-            <a:r>
-              <a:t>Evaluation only.</a:t>
-            </a:r>
-          </a:p>
-          <a:p>
-            <a:pPr algn="ctr"/>
-            <a:r>
-              <a:t>Created with Aspose.Slides for .NET 4.0 Client Profile 19.5.</a:t>
-            </a:r>
-          </a:p>
-          <a:p>
-            <a:pPr algn="ctr"/>
-            <a:r>
-              <a:t>Copyright 2004-2019Aspose Pty Ltd.</a:t>
-            </a:r>
-          </a:p>
-        </p:txBody>
-      </p:sp>
     </p:spTree>
   </p:cSld>
   <p:clrMapOvr>
@@ -3471,9 +3400,9 @@
 <p:tagLst xmlns:p="http://schemas.openxmlformats.org/presentationml/2006/main">
   <p:tag name="AS_NET" val="4.0.30319.42000"/>
   <p:tag name="AS_OS" val="Microsoft Windows NT 6.2.9200.0"/>
-  <p:tag name="AS_RELEASE_DATE" val="2019.05.17"/>
+  <p:tag name="AS_RELEASE_DATE" val="2019.06.14"/>
   <p:tag name="AS_TITLE" val="Aspose.Slides for .NET 4.0 Client Profile"/>
-  <p:tag name="AS_VERSION" val="19.5"/>
+  <p:tag name="AS_VERSION" val="19.6"/>
 </p:tagLst>
 </file>
 

--- a/Examples/Data/Charts/FormattedChart_out.pptx
+++ b/Examples/Data/Charts/FormattedChart_out.pptx
@@ -1,6 +1,6 @@
 
 <file path=ppt/presentation.xml><?xml version="1.0" encoding="utf-8"?>
-<!--Generated by Aspose.Slides for .NET 19.6-->
+<!--Generated by Aspose.Slides for .NET 21.12-->
 <p:presentation xmlns:r="http://schemas.openxmlformats.org/officeDocument/2006/relationships" xmlns:a="http://schemas.openxmlformats.org/drawingml/2006/main" xmlns:p="http://schemas.openxmlformats.org/presentationml/2006/main" saveSubsetFonts="1">
   <p:sldMasterIdLst>
     <p:sldMasterId id="2147483648" r:id="rId1"/>
@@ -112,7 +112,7 @@
 </file>
 
 <file path=ppt/charts/chart1.xml><?xml version="1.0" encoding="utf-8"?>
-<c:chartSpace xmlns:a="http://schemas.openxmlformats.org/drawingml/2006/main" xmlns:r="http://schemas.openxmlformats.org/officeDocument/2006/relationships" xmlns:c="http://schemas.openxmlformats.org/drawingml/2006/chart">
+<c:chartSpace xmlns:a="http://schemas.openxmlformats.org/drawingml/2006/main" xmlns:r="http://schemas.openxmlformats.org/officeDocument/2006/relationships" xmlns:m="http://schemas.openxmlformats.org/officeDocument/2006/math" xmlns:w="http://schemas.openxmlformats.org/wordprocessingml/2006/main" xmlns:wp="http://schemas.openxmlformats.org/drawingml/2006/wordprocessingDrawing" xmlns:a14="http://schemas.microsoft.com/office/drawing/2010/main" xmlns:c="http://schemas.openxmlformats.org/drawingml/2006/chart">
   <c:date1904 val="0"/>
   <c:lang val="ru-RU"/>
   <c:roundedCorners val="0"/>
@@ -553,11 +553,11 @@
 </file>
 
 <file path=ppt/slideLayouts/slideLayout1.xml><?xml version="1.0" encoding="utf-8"?>
-<p:sldLayout xmlns:a="http://schemas.openxmlformats.org/drawingml/2006/main" xmlns:r="http://schemas.openxmlformats.org/officeDocument/2006/relationships" xmlns:p14="http://schemas.microsoft.com/office/powerpoint/2010/main" xmlns:a14="http://schemas.microsoft.com/office/drawing/2010/main" xmlns:p15="http://schemas.microsoft.com/office/powerpoint/2012/main" xmlns:p159="http://schemas.microsoft.com/office/powerpoint/2015/09/main" xmlns:p="http://schemas.openxmlformats.org/presentationml/2006/main" type="title" preserve="1">
+<p:sldLayout xmlns:a="http://schemas.openxmlformats.org/drawingml/2006/main" xmlns:r="http://schemas.openxmlformats.org/officeDocument/2006/relationships" xmlns:m="http://schemas.openxmlformats.org/officeDocument/2006/math" xmlns:w="http://schemas.openxmlformats.org/wordprocessingml/2006/main" xmlns:wp="http://schemas.openxmlformats.org/drawingml/2006/wordprocessingDrawing" xmlns:a14="http://schemas.microsoft.com/office/drawing/2010/main" xmlns:mc="http://schemas.openxmlformats.org/markup-compatibility/2006" xmlns:p14="http://schemas.microsoft.com/office/powerpoint/2010/main" xmlns:p15="http://schemas.microsoft.com/office/powerpoint/2012/main" xmlns:p159="http://schemas.microsoft.com/office/powerpoint/2015/09/main" xmlns:p="http://schemas.openxmlformats.org/presentationml/2006/main" type="title" preserve="1">
   <p:cSld name="Title Slide">
     <p:spTree>
       <p:nvGrpSpPr>
-        <p:cNvPr id="1" name=""/>
+        <p:cNvPr id="1" name="" title=""/>
         <p:cNvGrpSpPr/>
         <p:nvPr/>
       </p:nvGrpSpPr>
@@ -569,7 +569,7 @@
       </p:grpSpPr>
       <p:sp>
         <p:nvSpPr>
-          <p:cNvPr id="2" name="Title 1"/>
+          <p:cNvPr id="2" name="Title 1" title=""/>
           <p:cNvSpPr>
             <a:spLocks noGrp="1"/>
           </p:cNvSpPr>
@@ -592,7 +592,7 @@
       </p:sp>
       <p:sp>
         <p:nvSpPr>
-          <p:cNvPr id="3" name="Subtitle 2"/>
+          <p:cNvPr id="3" name="Subtitle 2" title=""/>
           <p:cNvSpPr>
             <a:spLocks noGrp="1"/>
           </p:cNvSpPr>
@@ -706,7 +706,7 @@
       </p:sp>
       <p:sp>
         <p:nvSpPr>
-          <p:cNvPr id="4" name="Date Placeholder 3"/>
+          <p:cNvPr id="4" name="Date Placeholder 3" title=""/>
           <p:cNvSpPr>
             <a:spLocks noGrp="1"/>
           </p:cNvSpPr>
@@ -719,7 +719,7 @@
           <a:bodyPr/>
           <a:lstStyle/>
           <a:p>
-            <a:fld id="{6E8B4F6A-E8DE-4918-AB16-C432669782FE}" type="datetimeFigureOut">
+            <a:fld id="{38FC4F0A-DD6A-4DF5-8288-C8F3B2AE5870}" type="datetimeFigureOut">
               <a:rPr lang="en-US" smtClean="0"/>
               <a:t>11/7/2009</a:t>
             </a:fld>
@@ -729,7 +729,7 @@
       </p:sp>
       <p:sp>
         <p:nvSpPr>
-          <p:cNvPr id="5" name="Footer Placeholder 4"/>
+          <p:cNvPr id="5" name="Footer Placeholder 4" title=""/>
           <p:cNvSpPr>
             <a:spLocks noGrp="1"/>
           </p:cNvSpPr>
@@ -748,7 +748,7 @@
       </p:sp>
       <p:sp>
         <p:nvSpPr>
-          <p:cNvPr id="6" name="Slide Number Placeholder 5"/>
+          <p:cNvPr id="6" name="Slide Number Placeholder 5" title=""/>
           <p:cNvSpPr>
             <a:spLocks noGrp="1"/>
           </p:cNvSpPr>
@@ -780,11 +780,11 @@
 </file>
 
 <file path=ppt/slideLayouts/slideLayout10.xml><?xml version="1.0" encoding="utf-8"?>
-<p:sldLayout xmlns:a="http://schemas.openxmlformats.org/drawingml/2006/main" xmlns:r="http://schemas.openxmlformats.org/officeDocument/2006/relationships" xmlns:p14="http://schemas.microsoft.com/office/powerpoint/2010/main" xmlns:a14="http://schemas.microsoft.com/office/drawing/2010/main" xmlns:p15="http://schemas.microsoft.com/office/powerpoint/2012/main" xmlns:p159="http://schemas.microsoft.com/office/powerpoint/2015/09/main" xmlns:p="http://schemas.openxmlformats.org/presentationml/2006/main" type="vertTx" preserve="1">
+<p:sldLayout xmlns:a="http://schemas.openxmlformats.org/drawingml/2006/main" xmlns:r="http://schemas.openxmlformats.org/officeDocument/2006/relationships" xmlns:m="http://schemas.openxmlformats.org/officeDocument/2006/math" xmlns:w="http://schemas.openxmlformats.org/wordprocessingml/2006/main" xmlns:wp="http://schemas.openxmlformats.org/drawingml/2006/wordprocessingDrawing" xmlns:a14="http://schemas.microsoft.com/office/drawing/2010/main" xmlns:mc="http://schemas.openxmlformats.org/markup-compatibility/2006" xmlns:p14="http://schemas.microsoft.com/office/powerpoint/2010/main" xmlns:p15="http://schemas.microsoft.com/office/powerpoint/2012/main" xmlns:p159="http://schemas.microsoft.com/office/powerpoint/2015/09/main" xmlns:p="http://schemas.openxmlformats.org/presentationml/2006/main" type="vertTx" preserve="1">
   <p:cSld name="Title and Vertical Text">
     <p:spTree>
       <p:nvGrpSpPr>
-        <p:cNvPr id="1" name=""/>
+        <p:cNvPr id="1" name="" title=""/>
         <p:cNvGrpSpPr/>
         <p:nvPr/>
       </p:nvGrpSpPr>
@@ -796,7 +796,7 @@
       </p:grpSpPr>
       <p:sp>
         <p:nvSpPr>
-          <p:cNvPr id="2" name="Title 1"/>
+          <p:cNvPr id="2" name="Title 1" title=""/>
           <p:cNvSpPr>
             <a:spLocks noGrp="1"/>
           </p:cNvSpPr>
@@ -819,7 +819,7 @@
       </p:sp>
       <p:sp>
         <p:nvSpPr>
-          <p:cNvPr id="3" name="Vertical Text Placeholder 2"/>
+          <p:cNvPr id="3" name="Vertical Text Placeholder 2" title=""/>
           <p:cNvSpPr>
             <a:spLocks noGrp="1"/>
           </p:cNvSpPr>
@@ -870,7 +870,7 @@
       </p:sp>
       <p:sp>
         <p:nvSpPr>
-          <p:cNvPr id="4" name="Date Placeholder 3"/>
+          <p:cNvPr id="4" name="Date Placeholder 3" title=""/>
           <p:cNvSpPr>
             <a:spLocks noGrp="1"/>
           </p:cNvSpPr>
@@ -883,7 +883,7 @@
           <a:bodyPr/>
           <a:lstStyle/>
           <a:p>
-            <a:fld id="{18F9DF2E-3AB5-4616-B4CE-0CDF1630E9D5}" type="datetimeFigureOut">
+            <a:fld id="{E976C849-7709-497F-9C15-9E5D40A3D865}" type="datetimeFigureOut">
               <a:rPr lang="en-US" smtClean="0"/>
               <a:t>11/7/2009</a:t>
             </a:fld>
@@ -893,7 +893,7 @@
       </p:sp>
       <p:sp>
         <p:nvSpPr>
-          <p:cNvPr id="5" name="Footer Placeholder 4"/>
+          <p:cNvPr id="5" name="Footer Placeholder 4" title=""/>
           <p:cNvSpPr>
             <a:spLocks noGrp="1"/>
           </p:cNvSpPr>
@@ -912,7 +912,7 @@
       </p:sp>
       <p:sp>
         <p:nvSpPr>
-          <p:cNvPr id="6" name="Slide Number Placeholder 5"/>
+          <p:cNvPr id="6" name="Slide Number Placeholder 5" title=""/>
           <p:cNvSpPr>
             <a:spLocks noGrp="1"/>
           </p:cNvSpPr>
@@ -944,11 +944,11 @@
 </file>
 
 <file path=ppt/slideLayouts/slideLayout11.xml><?xml version="1.0" encoding="utf-8"?>
-<p:sldLayout xmlns:a="http://schemas.openxmlformats.org/drawingml/2006/main" xmlns:r="http://schemas.openxmlformats.org/officeDocument/2006/relationships" xmlns:p14="http://schemas.microsoft.com/office/powerpoint/2010/main" xmlns:a14="http://schemas.microsoft.com/office/drawing/2010/main" xmlns:p15="http://schemas.microsoft.com/office/powerpoint/2012/main" xmlns:p159="http://schemas.microsoft.com/office/powerpoint/2015/09/main" xmlns:p="http://schemas.openxmlformats.org/presentationml/2006/main" type="vertTitleAndTx" preserve="1">
+<p:sldLayout xmlns:a="http://schemas.openxmlformats.org/drawingml/2006/main" xmlns:r="http://schemas.openxmlformats.org/officeDocument/2006/relationships" xmlns:m="http://schemas.openxmlformats.org/officeDocument/2006/math" xmlns:w="http://schemas.openxmlformats.org/wordprocessingml/2006/main" xmlns:wp="http://schemas.openxmlformats.org/drawingml/2006/wordprocessingDrawing" xmlns:a14="http://schemas.microsoft.com/office/drawing/2010/main" xmlns:mc="http://schemas.openxmlformats.org/markup-compatibility/2006" xmlns:p14="http://schemas.microsoft.com/office/powerpoint/2010/main" xmlns:p15="http://schemas.microsoft.com/office/powerpoint/2012/main" xmlns:p159="http://schemas.microsoft.com/office/powerpoint/2015/09/main" xmlns:p="http://schemas.openxmlformats.org/presentationml/2006/main" type="vertTitleAndTx" preserve="1">
   <p:cSld name="Vertical Title and Text">
     <p:spTree>
       <p:nvGrpSpPr>
-        <p:cNvPr id="1" name=""/>
+        <p:cNvPr id="1" name="" title=""/>
         <p:cNvGrpSpPr/>
         <p:nvPr/>
       </p:nvGrpSpPr>
@@ -960,7 +960,7 @@
       </p:grpSpPr>
       <p:sp>
         <p:nvSpPr>
-          <p:cNvPr id="2" name="Vertical Title 1"/>
+          <p:cNvPr id="2" name="Vertical Title 1" title=""/>
           <p:cNvSpPr>
             <a:spLocks noGrp="1"/>
           </p:cNvSpPr>
@@ -983,7 +983,7 @@
       </p:sp>
       <p:sp>
         <p:nvSpPr>
-          <p:cNvPr id="3" name="Vertical Text Placeholder 2"/>
+          <p:cNvPr id="3" name="Vertical Text Placeholder 2" title=""/>
           <p:cNvSpPr>
             <a:spLocks noGrp="1"/>
           </p:cNvSpPr>
@@ -1034,7 +1034,7 @@
       </p:sp>
       <p:sp>
         <p:nvSpPr>
-          <p:cNvPr id="4" name="Date Placeholder 3"/>
+          <p:cNvPr id="4" name="Date Placeholder 3" title=""/>
           <p:cNvSpPr>
             <a:spLocks noGrp="1"/>
           </p:cNvSpPr>
@@ -1047,7 +1047,7 @@
           <a:bodyPr/>
           <a:lstStyle/>
           <a:p>
-            <a:fld id="{959DEB68-04DD-467F-9B72-9E45152A122B}" type="datetimeFigureOut">
+            <a:fld id="{255722EB-51ED-43B4-8E53-828483F0848B}" type="datetimeFigureOut">
               <a:rPr lang="en-US" smtClean="0"/>
               <a:t>11/7/2009</a:t>
             </a:fld>
@@ -1057,7 +1057,7 @@
       </p:sp>
       <p:sp>
         <p:nvSpPr>
-          <p:cNvPr id="5" name="Footer Placeholder 4"/>
+          <p:cNvPr id="5" name="Footer Placeholder 4" title=""/>
           <p:cNvSpPr>
             <a:spLocks noGrp="1"/>
           </p:cNvSpPr>
@@ -1076,7 +1076,7 @@
       </p:sp>
       <p:sp>
         <p:nvSpPr>
-          <p:cNvPr id="6" name="Slide Number Placeholder 5"/>
+          <p:cNvPr id="6" name="Slide Number Placeholder 5" title=""/>
           <p:cNvSpPr>
             <a:spLocks noGrp="1"/>
           </p:cNvSpPr>
@@ -1108,11 +1108,11 @@
 </file>
 
 <file path=ppt/slideLayouts/slideLayout2.xml><?xml version="1.0" encoding="utf-8"?>
-<p:sldLayout xmlns:a="http://schemas.openxmlformats.org/drawingml/2006/main" xmlns:r="http://schemas.openxmlformats.org/officeDocument/2006/relationships" xmlns:p14="http://schemas.microsoft.com/office/powerpoint/2010/main" xmlns:a14="http://schemas.microsoft.com/office/drawing/2010/main" xmlns:p15="http://schemas.microsoft.com/office/powerpoint/2012/main" xmlns:p159="http://schemas.microsoft.com/office/powerpoint/2015/09/main" xmlns:p="http://schemas.openxmlformats.org/presentationml/2006/main" type="obj" preserve="1">
+<p:sldLayout xmlns:a="http://schemas.openxmlformats.org/drawingml/2006/main" xmlns:r="http://schemas.openxmlformats.org/officeDocument/2006/relationships" xmlns:m="http://schemas.openxmlformats.org/officeDocument/2006/math" xmlns:w="http://schemas.openxmlformats.org/wordprocessingml/2006/main" xmlns:wp="http://schemas.openxmlformats.org/drawingml/2006/wordprocessingDrawing" xmlns:a14="http://schemas.microsoft.com/office/drawing/2010/main" xmlns:mc="http://schemas.openxmlformats.org/markup-compatibility/2006" xmlns:p14="http://schemas.microsoft.com/office/powerpoint/2010/main" xmlns:p15="http://schemas.microsoft.com/office/powerpoint/2012/main" xmlns:p159="http://schemas.microsoft.com/office/powerpoint/2015/09/main" xmlns:p="http://schemas.openxmlformats.org/presentationml/2006/main" type="obj" preserve="1">
   <p:cSld name="Title and Content">
     <p:spTree>
       <p:nvGrpSpPr>
-        <p:cNvPr id="1" name=""/>
+        <p:cNvPr id="1" name="" title=""/>
         <p:cNvGrpSpPr/>
         <p:nvPr/>
       </p:nvGrpSpPr>
@@ -1124,7 +1124,7 @@
       </p:grpSpPr>
       <p:sp>
         <p:nvSpPr>
-          <p:cNvPr id="2" name="Title 1"/>
+          <p:cNvPr id="2" name="Title 1" title=""/>
           <p:cNvSpPr>
             <a:spLocks noGrp="1"/>
           </p:cNvSpPr>
@@ -1147,7 +1147,7 @@
       </p:sp>
       <p:sp>
         <p:nvSpPr>
-          <p:cNvPr id="3" name="Content Placeholder 2"/>
+          <p:cNvPr id="3" name="Content Placeholder 2" title=""/>
           <p:cNvSpPr>
             <a:spLocks noGrp="1"/>
           </p:cNvSpPr>
@@ -1198,7 +1198,7 @@
       </p:sp>
       <p:sp>
         <p:nvSpPr>
-          <p:cNvPr id="4" name="Date Placeholder 3"/>
+          <p:cNvPr id="4" name="Date Placeholder 3" title=""/>
           <p:cNvSpPr>
             <a:spLocks noGrp="1"/>
           </p:cNvSpPr>
@@ -1211,7 +1211,7 @@
           <a:bodyPr/>
           <a:lstStyle/>
           <a:p>
-            <a:fld id="{CFA373F6-CD3C-4F65-B65B-C7B9D14A2D65}" type="datetimeFigureOut">
+            <a:fld id="{2BF5717E-77FA-4484-9C3A-A4D1AEFEA0BD}" type="datetimeFigureOut">
               <a:rPr lang="en-US" smtClean="0"/>
               <a:t>11/7/2009</a:t>
             </a:fld>
@@ -1221,7 +1221,7 @@
       </p:sp>
       <p:sp>
         <p:nvSpPr>
-          <p:cNvPr id="5" name="Footer Placeholder 4"/>
+          <p:cNvPr id="5" name="Footer Placeholder 4" title=""/>
           <p:cNvSpPr>
             <a:spLocks noGrp="1"/>
           </p:cNvSpPr>
@@ -1240,7 +1240,7 @@
       </p:sp>
       <p:sp>
         <p:nvSpPr>
-          <p:cNvPr id="6" name="Slide Number Placeholder 5"/>
+          <p:cNvPr id="6" name="Slide Number Placeholder 5" title=""/>
           <p:cNvSpPr>
             <a:spLocks noGrp="1"/>
           </p:cNvSpPr>
@@ -1272,11 +1272,11 @@
 </file>
 
 <file path=ppt/slideLayouts/slideLayout3.xml><?xml version="1.0" encoding="utf-8"?>
-<p:sldLayout xmlns:a="http://schemas.openxmlformats.org/drawingml/2006/main" xmlns:r="http://schemas.openxmlformats.org/officeDocument/2006/relationships" xmlns:p14="http://schemas.microsoft.com/office/powerpoint/2010/main" xmlns:a14="http://schemas.microsoft.com/office/drawing/2010/main" xmlns:p15="http://schemas.microsoft.com/office/powerpoint/2012/main" xmlns:p159="http://schemas.microsoft.com/office/powerpoint/2015/09/main" xmlns:p="http://schemas.openxmlformats.org/presentationml/2006/main" type="secHead" preserve="1">
+<p:sldLayout xmlns:a="http://schemas.openxmlformats.org/drawingml/2006/main" xmlns:r="http://schemas.openxmlformats.org/officeDocument/2006/relationships" xmlns:m="http://schemas.openxmlformats.org/officeDocument/2006/math" xmlns:w="http://schemas.openxmlformats.org/wordprocessingml/2006/main" xmlns:wp="http://schemas.openxmlformats.org/drawingml/2006/wordprocessingDrawing" xmlns:a14="http://schemas.microsoft.com/office/drawing/2010/main" xmlns:mc="http://schemas.openxmlformats.org/markup-compatibility/2006" xmlns:p14="http://schemas.microsoft.com/office/powerpoint/2010/main" xmlns:p15="http://schemas.microsoft.com/office/powerpoint/2012/main" xmlns:p159="http://schemas.microsoft.com/office/powerpoint/2015/09/main" xmlns:p="http://schemas.openxmlformats.org/presentationml/2006/main" type="secHead" preserve="1">
   <p:cSld name="Section Header">
     <p:spTree>
       <p:nvGrpSpPr>
-        <p:cNvPr id="1" name=""/>
+        <p:cNvPr id="1" name="" title=""/>
         <p:cNvGrpSpPr/>
         <p:nvPr/>
       </p:nvGrpSpPr>
@@ -1288,7 +1288,7 @@
       </p:grpSpPr>
       <p:sp>
         <p:nvSpPr>
-          <p:cNvPr id="2" name="Title 1"/>
+          <p:cNvPr id="2" name="Title 1" title=""/>
           <p:cNvSpPr>
             <a:spLocks noGrp="1"/>
           </p:cNvSpPr>
@@ -1315,7 +1315,7 @@
       </p:sp>
       <p:sp>
         <p:nvSpPr>
-          <p:cNvPr id="3" name="Text Placeholder 2"/>
+          <p:cNvPr id="3" name="Text Placeholder 2" title=""/>
           <p:cNvSpPr>
             <a:spLocks noGrp="1"/>
           </p:cNvSpPr>
@@ -1428,7 +1428,7 @@
       </p:sp>
       <p:sp>
         <p:nvSpPr>
-          <p:cNvPr id="4" name="Date Placeholder 3"/>
+          <p:cNvPr id="4" name="Date Placeholder 3" title=""/>
           <p:cNvSpPr>
             <a:spLocks noGrp="1"/>
           </p:cNvSpPr>
@@ -1441,7 +1441,7 @@
           <a:bodyPr/>
           <a:lstStyle/>
           <a:p>
-            <a:fld id="{1AC89EB6-4209-433B-966C-CEFA3D79CD03}" type="datetimeFigureOut">
+            <a:fld id="{964244F2-1D2D-4325-A787-587C8B00B349}" type="datetimeFigureOut">
               <a:rPr lang="en-US" smtClean="0"/>
               <a:t>11/7/2009</a:t>
             </a:fld>
@@ -1451,7 +1451,7 @@
       </p:sp>
       <p:sp>
         <p:nvSpPr>
-          <p:cNvPr id="5" name="Footer Placeholder 4"/>
+          <p:cNvPr id="5" name="Footer Placeholder 4" title=""/>
           <p:cNvSpPr>
             <a:spLocks noGrp="1"/>
           </p:cNvSpPr>
@@ -1470,7 +1470,7 @@
       </p:sp>
       <p:sp>
         <p:nvSpPr>
-          <p:cNvPr id="6" name="Slide Number Placeholder 5"/>
+          <p:cNvPr id="6" name="Slide Number Placeholder 5" title=""/>
           <p:cNvSpPr>
             <a:spLocks noGrp="1"/>
           </p:cNvSpPr>
@@ -1502,11 +1502,11 @@
 </file>
 
 <file path=ppt/slideLayouts/slideLayout4.xml><?xml version="1.0" encoding="utf-8"?>
-<p:sldLayout xmlns:a="http://schemas.openxmlformats.org/drawingml/2006/main" xmlns:r="http://schemas.openxmlformats.org/officeDocument/2006/relationships" xmlns:p14="http://schemas.microsoft.com/office/powerpoint/2010/main" xmlns:a14="http://schemas.microsoft.com/office/drawing/2010/main" xmlns:p15="http://schemas.microsoft.com/office/powerpoint/2012/main" xmlns:p159="http://schemas.microsoft.com/office/powerpoint/2015/09/main" xmlns:p="http://schemas.openxmlformats.org/presentationml/2006/main" type="twoObj" preserve="1">
+<p:sldLayout xmlns:a="http://schemas.openxmlformats.org/drawingml/2006/main" xmlns:r="http://schemas.openxmlformats.org/officeDocument/2006/relationships" xmlns:m="http://schemas.openxmlformats.org/officeDocument/2006/math" xmlns:w="http://schemas.openxmlformats.org/wordprocessingml/2006/main" xmlns:wp="http://schemas.openxmlformats.org/drawingml/2006/wordprocessingDrawing" xmlns:a14="http://schemas.microsoft.com/office/drawing/2010/main" xmlns:mc="http://schemas.openxmlformats.org/markup-compatibility/2006" xmlns:p14="http://schemas.microsoft.com/office/powerpoint/2010/main" xmlns:p15="http://schemas.microsoft.com/office/powerpoint/2012/main" xmlns:p159="http://schemas.microsoft.com/office/powerpoint/2015/09/main" xmlns:p="http://schemas.openxmlformats.org/presentationml/2006/main" type="twoObj" preserve="1">
   <p:cSld name="Two Content">
     <p:spTree>
       <p:nvGrpSpPr>
-        <p:cNvPr id="1" name=""/>
+        <p:cNvPr id="1" name="" title=""/>
         <p:cNvGrpSpPr/>
         <p:nvPr/>
       </p:nvGrpSpPr>
@@ -1518,7 +1518,7 @@
       </p:grpSpPr>
       <p:sp>
         <p:nvSpPr>
-          <p:cNvPr id="2" name="Title 1"/>
+          <p:cNvPr id="2" name="Title 1" title=""/>
           <p:cNvSpPr>
             <a:spLocks noGrp="1"/>
           </p:cNvSpPr>
@@ -1541,7 +1541,7 @@
       </p:sp>
       <p:sp>
         <p:nvSpPr>
-          <p:cNvPr id="3" name="Content Placeholder 2"/>
+          <p:cNvPr id="3" name="Content Placeholder 2" title=""/>
           <p:cNvSpPr>
             <a:spLocks noGrp="1"/>
           </p:cNvSpPr>
@@ -1620,7 +1620,7 @@
       </p:sp>
       <p:sp>
         <p:nvSpPr>
-          <p:cNvPr id="4" name="Content Placeholder 3"/>
+          <p:cNvPr id="4" name="Content Placeholder 3" title=""/>
           <p:cNvSpPr>
             <a:spLocks noGrp="1"/>
           </p:cNvSpPr>
@@ -1699,7 +1699,7 @@
       </p:sp>
       <p:sp>
         <p:nvSpPr>
-          <p:cNvPr id="5" name="Date Placeholder 4"/>
+          <p:cNvPr id="5" name="Date Placeholder 4" title=""/>
           <p:cNvSpPr>
             <a:spLocks noGrp="1"/>
           </p:cNvSpPr>
@@ -1712,7 +1712,7 @@
           <a:bodyPr/>
           <a:lstStyle/>
           <a:p>
-            <a:fld id="{AD7D1567-B870-433F-A790-4DF8EAD161F9}" type="datetimeFigureOut">
+            <a:fld id="{B6AC1E88-555A-479B-B47A-7F24A9A14BFC}" type="datetimeFigureOut">
               <a:rPr lang="en-US" smtClean="0"/>
               <a:t>11/7/2009</a:t>
             </a:fld>
@@ -1722,7 +1722,7 @@
       </p:sp>
       <p:sp>
         <p:nvSpPr>
-          <p:cNvPr id="6" name="Footer Placeholder 5"/>
+          <p:cNvPr id="6" name="Footer Placeholder 5" title=""/>
           <p:cNvSpPr>
             <a:spLocks noGrp="1"/>
           </p:cNvSpPr>
@@ -1741,7 +1741,7 @@
       </p:sp>
       <p:sp>
         <p:nvSpPr>
-          <p:cNvPr id="7" name="Slide Number Placeholder 6"/>
+          <p:cNvPr id="7" name="Slide Number Placeholder 6" title=""/>
           <p:cNvSpPr>
             <a:spLocks noGrp="1"/>
           </p:cNvSpPr>
@@ -1773,11 +1773,11 @@
 </file>
 
 <file path=ppt/slideLayouts/slideLayout5.xml><?xml version="1.0" encoding="utf-8"?>
-<p:sldLayout xmlns:a="http://schemas.openxmlformats.org/drawingml/2006/main" xmlns:r="http://schemas.openxmlformats.org/officeDocument/2006/relationships" xmlns:p14="http://schemas.microsoft.com/office/powerpoint/2010/main" xmlns:a14="http://schemas.microsoft.com/office/drawing/2010/main" xmlns:p15="http://schemas.microsoft.com/office/powerpoint/2012/main" xmlns:p159="http://schemas.microsoft.com/office/powerpoint/2015/09/main" xmlns:p="http://schemas.openxmlformats.org/presentationml/2006/main" type="twoTxTwoObj" preserve="1">
+<p:sldLayout xmlns:a="http://schemas.openxmlformats.org/drawingml/2006/main" xmlns:r="http://schemas.openxmlformats.org/officeDocument/2006/relationships" xmlns:m="http://schemas.openxmlformats.org/officeDocument/2006/math" xmlns:w="http://schemas.openxmlformats.org/wordprocessingml/2006/main" xmlns:wp="http://schemas.openxmlformats.org/drawingml/2006/wordprocessingDrawing" xmlns:a14="http://schemas.microsoft.com/office/drawing/2010/main" xmlns:mc="http://schemas.openxmlformats.org/markup-compatibility/2006" xmlns:p14="http://schemas.microsoft.com/office/powerpoint/2010/main" xmlns:p15="http://schemas.microsoft.com/office/powerpoint/2012/main" xmlns:p159="http://schemas.microsoft.com/office/powerpoint/2015/09/main" xmlns:p="http://schemas.openxmlformats.org/presentationml/2006/main" type="twoTxTwoObj" preserve="1">
   <p:cSld name="Comparison">
     <p:spTree>
       <p:nvGrpSpPr>
-        <p:cNvPr id="1" name=""/>
+        <p:cNvPr id="1" name="" title=""/>
         <p:cNvGrpSpPr/>
         <p:nvPr/>
       </p:nvGrpSpPr>
@@ -1789,7 +1789,7 @@
       </p:grpSpPr>
       <p:sp>
         <p:nvSpPr>
-          <p:cNvPr id="2" name="Title 1"/>
+          <p:cNvPr id="2" name="Title 1" title=""/>
           <p:cNvSpPr>
             <a:spLocks noGrp="1"/>
           </p:cNvSpPr>
@@ -1812,7 +1812,7 @@
       </p:sp>
       <p:sp>
         <p:nvSpPr>
-          <p:cNvPr id="3" name="Text Placeholder 2"/>
+          <p:cNvPr id="3" name="Text Placeholder 2" title=""/>
           <p:cNvSpPr>
             <a:spLocks noGrp="1"/>
           </p:cNvSpPr>
@@ -1871,7 +1871,7 @@
       </p:sp>
       <p:sp>
         <p:nvSpPr>
-          <p:cNvPr id="4" name="Content Placeholder 3"/>
+          <p:cNvPr id="4" name="Content Placeholder 3" title=""/>
           <p:cNvSpPr>
             <a:spLocks noGrp="1"/>
           </p:cNvSpPr>
@@ -1950,7 +1950,7 @@
       </p:sp>
       <p:sp>
         <p:nvSpPr>
-          <p:cNvPr id="5" name="Text Placeholder 4"/>
+          <p:cNvPr id="5" name="Text Placeholder 4" title=""/>
           <p:cNvSpPr>
             <a:spLocks noGrp="1"/>
           </p:cNvSpPr>
@@ -2009,7 +2009,7 @@
       </p:sp>
       <p:sp>
         <p:nvSpPr>
-          <p:cNvPr id="6" name="Content Placeholder 5"/>
+          <p:cNvPr id="6" name="Content Placeholder 5" title=""/>
           <p:cNvSpPr>
             <a:spLocks noGrp="1"/>
           </p:cNvSpPr>
@@ -2088,7 +2088,7 @@
       </p:sp>
       <p:sp>
         <p:nvSpPr>
-          <p:cNvPr id="7" name="Date Placeholder 6"/>
+          <p:cNvPr id="7" name="Date Placeholder 6" title=""/>
           <p:cNvSpPr>
             <a:spLocks noGrp="1"/>
           </p:cNvSpPr>
@@ -2101,7 +2101,7 @@
           <a:bodyPr/>
           <a:lstStyle/>
           <a:p>
-            <a:fld id="{07BFE171-660F-442F-9BA2-595590F507C4}" type="datetimeFigureOut">
+            <a:fld id="{E8620A8E-8F2A-4285-AA55-53612C0049ED}" type="datetimeFigureOut">
               <a:rPr lang="en-US" smtClean="0"/>
               <a:t>11/7/2009</a:t>
             </a:fld>
@@ -2111,7 +2111,7 @@
       </p:sp>
       <p:sp>
         <p:nvSpPr>
-          <p:cNvPr id="8" name="Footer Placeholder 7"/>
+          <p:cNvPr id="8" name="Footer Placeholder 7" title=""/>
           <p:cNvSpPr>
             <a:spLocks noGrp="1"/>
           </p:cNvSpPr>
@@ -2130,7 +2130,7 @@
       </p:sp>
       <p:sp>
         <p:nvSpPr>
-          <p:cNvPr id="9" name="Slide Number Placeholder 8"/>
+          <p:cNvPr id="9" name="Slide Number Placeholder 8" title=""/>
           <p:cNvSpPr>
             <a:spLocks noGrp="1"/>
           </p:cNvSpPr>
@@ -2162,11 +2162,11 @@
 </file>
 
 <file path=ppt/slideLayouts/slideLayout6.xml><?xml version="1.0" encoding="utf-8"?>
-<p:sldLayout xmlns:a="http://schemas.openxmlformats.org/drawingml/2006/main" xmlns:r="http://schemas.openxmlformats.org/officeDocument/2006/relationships" xmlns:p14="http://schemas.microsoft.com/office/powerpoint/2010/main" xmlns:a14="http://schemas.microsoft.com/office/drawing/2010/main" xmlns:p15="http://schemas.microsoft.com/office/powerpoint/2012/main" xmlns:p159="http://schemas.microsoft.com/office/powerpoint/2015/09/main" xmlns:p="http://schemas.openxmlformats.org/presentationml/2006/main" type="titleOnly" preserve="1">
+<p:sldLayout xmlns:a="http://schemas.openxmlformats.org/drawingml/2006/main" xmlns:r="http://schemas.openxmlformats.org/officeDocument/2006/relationships" xmlns:m="http://schemas.openxmlformats.org/officeDocument/2006/math" xmlns:w="http://schemas.openxmlformats.org/wordprocessingml/2006/main" xmlns:wp="http://schemas.openxmlformats.org/drawingml/2006/wordprocessingDrawing" xmlns:a14="http://schemas.microsoft.com/office/drawing/2010/main" xmlns:mc="http://schemas.openxmlformats.org/markup-compatibility/2006" xmlns:p14="http://schemas.microsoft.com/office/powerpoint/2010/main" xmlns:p15="http://schemas.microsoft.com/office/powerpoint/2012/main" xmlns:p159="http://schemas.microsoft.com/office/powerpoint/2015/09/main" xmlns:p="http://schemas.openxmlformats.org/presentationml/2006/main" type="titleOnly" preserve="1">
   <p:cSld name="Title Only">
     <p:spTree>
       <p:nvGrpSpPr>
-        <p:cNvPr id="1" name=""/>
+        <p:cNvPr id="1" name="" title=""/>
         <p:cNvGrpSpPr/>
         <p:nvPr/>
       </p:nvGrpSpPr>
@@ -2178,7 +2178,7 @@
       </p:grpSpPr>
       <p:sp>
         <p:nvSpPr>
-          <p:cNvPr id="2" name="Title 1"/>
+          <p:cNvPr id="2" name="Title 1" title=""/>
           <p:cNvSpPr>
             <a:spLocks noGrp="1"/>
           </p:cNvSpPr>
@@ -2201,7 +2201,7 @@
       </p:sp>
       <p:sp>
         <p:nvSpPr>
-          <p:cNvPr id="3" name="Date Placeholder 2"/>
+          <p:cNvPr id="3" name="Date Placeholder 2" title=""/>
           <p:cNvSpPr>
             <a:spLocks noGrp="1"/>
           </p:cNvSpPr>
@@ -2214,7 +2214,7 @@
           <a:bodyPr/>
           <a:lstStyle/>
           <a:p>
-            <a:fld id="{5125B908-8403-4C54-A186-ADD7C62B4F66}" type="datetimeFigureOut">
+            <a:fld id="{23370BE9-DBD9-4FF4-869F-98E1C128577C}" type="datetimeFigureOut">
               <a:rPr lang="en-US" smtClean="0"/>
               <a:t>11/7/2009</a:t>
             </a:fld>
@@ -2224,7 +2224,7 @@
       </p:sp>
       <p:sp>
         <p:nvSpPr>
-          <p:cNvPr id="4" name="Footer Placeholder 3"/>
+          <p:cNvPr id="4" name="Footer Placeholder 3" title=""/>
           <p:cNvSpPr>
             <a:spLocks noGrp="1"/>
           </p:cNvSpPr>
@@ -2243,7 +2243,7 @@
       </p:sp>
       <p:sp>
         <p:nvSpPr>
-          <p:cNvPr id="5" name="Slide Number Placeholder 4"/>
+          <p:cNvPr id="5" name="Slide Number Placeholder 4" title=""/>
           <p:cNvSpPr>
             <a:spLocks noGrp="1"/>
           </p:cNvSpPr>
@@ -2275,11 +2275,11 @@
 </file>
 
 <file path=ppt/slideLayouts/slideLayout7.xml><?xml version="1.0" encoding="utf-8"?>
-<p:sldLayout xmlns:a="http://schemas.openxmlformats.org/drawingml/2006/main" xmlns:r="http://schemas.openxmlformats.org/officeDocument/2006/relationships" xmlns:p14="http://schemas.microsoft.com/office/powerpoint/2010/main" xmlns:a14="http://schemas.microsoft.com/office/drawing/2010/main" xmlns:p15="http://schemas.microsoft.com/office/powerpoint/2012/main" xmlns:p159="http://schemas.microsoft.com/office/powerpoint/2015/09/main" xmlns:p="http://schemas.openxmlformats.org/presentationml/2006/main" type="blank" preserve="1">
+<p:sldLayout xmlns:a="http://schemas.openxmlformats.org/drawingml/2006/main" xmlns:r="http://schemas.openxmlformats.org/officeDocument/2006/relationships" xmlns:m="http://schemas.openxmlformats.org/officeDocument/2006/math" xmlns:w="http://schemas.openxmlformats.org/wordprocessingml/2006/main" xmlns:wp="http://schemas.openxmlformats.org/drawingml/2006/wordprocessingDrawing" xmlns:a14="http://schemas.microsoft.com/office/drawing/2010/main" xmlns:mc="http://schemas.openxmlformats.org/markup-compatibility/2006" xmlns:p14="http://schemas.microsoft.com/office/powerpoint/2010/main" xmlns:p15="http://schemas.microsoft.com/office/powerpoint/2012/main" xmlns:p159="http://schemas.microsoft.com/office/powerpoint/2015/09/main" xmlns:p="http://schemas.openxmlformats.org/presentationml/2006/main" type="blank" preserve="1">
   <p:cSld name="Blank">
     <p:spTree>
       <p:nvGrpSpPr>
-        <p:cNvPr id="1" name=""/>
+        <p:cNvPr id="1" name="" title=""/>
         <p:cNvGrpSpPr/>
         <p:nvPr/>
       </p:nvGrpSpPr>
@@ -2291,7 +2291,7 @@
       </p:grpSpPr>
       <p:sp>
         <p:nvSpPr>
-          <p:cNvPr id="2" name="Date Placeholder 1"/>
+          <p:cNvPr id="2" name="Date Placeholder 1" title=""/>
           <p:cNvSpPr>
             <a:spLocks noGrp="1"/>
           </p:cNvSpPr>
@@ -2304,7 +2304,7 @@
           <a:bodyPr/>
           <a:lstStyle/>
           <a:p>
-            <a:fld id="{D261F3D2-4F27-4908-A1FC-1CED10D55C53}" type="datetimeFigureOut">
+            <a:fld id="{EBC1B9FC-6B59-40B8-8EB7-849696DD8BCC}" type="datetimeFigureOut">
               <a:rPr lang="en-US" smtClean="0"/>
               <a:t>11/7/2009</a:t>
             </a:fld>
@@ -2314,7 +2314,7 @@
       </p:sp>
       <p:sp>
         <p:nvSpPr>
-          <p:cNvPr id="3" name="Footer Placeholder 2"/>
+          <p:cNvPr id="3" name="Footer Placeholder 2" title=""/>
           <p:cNvSpPr>
             <a:spLocks noGrp="1"/>
           </p:cNvSpPr>
@@ -2333,7 +2333,7 @@
       </p:sp>
       <p:sp>
         <p:nvSpPr>
-          <p:cNvPr id="4" name="Slide Number Placeholder 3"/>
+          <p:cNvPr id="4" name="Slide Number Placeholder 3" title=""/>
           <p:cNvSpPr>
             <a:spLocks noGrp="1"/>
           </p:cNvSpPr>
@@ -2365,11 +2365,11 @@
 </file>
 
 <file path=ppt/slideLayouts/slideLayout8.xml><?xml version="1.0" encoding="utf-8"?>
-<p:sldLayout xmlns:a="http://schemas.openxmlformats.org/drawingml/2006/main" xmlns:r="http://schemas.openxmlformats.org/officeDocument/2006/relationships" xmlns:p14="http://schemas.microsoft.com/office/powerpoint/2010/main" xmlns:a14="http://schemas.microsoft.com/office/drawing/2010/main" xmlns:p15="http://schemas.microsoft.com/office/powerpoint/2012/main" xmlns:p159="http://schemas.microsoft.com/office/powerpoint/2015/09/main" xmlns:p="http://schemas.openxmlformats.org/presentationml/2006/main" type="objTx" preserve="1">
+<p:sldLayout xmlns:a="http://schemas.openxmlformats.org/drawingml/2006/main" xmlns:r="http://schemas.openxmlformats.org/officeDocument/2006/relationships" xmlns:m="http://schemas.openxmlformats.org/officeDocument/2006/math" xmlns:w="http://schemas.openxmlformats.org/wordprocessingml/2006/main" xmlns:wp="http://schemas.openxmlformats.org/drawingml/2006/wordprocessingDrawing" xmlns:a14="http://schemas.microsoft.com/office/drawing/2010/main" xmlns:mc="http://schemas.openxmlformats.org/markup-compatibility/2006" xmlns:p14="http://schemas.microsoft.com/office/powerpoint/2010/main" xmlns:p15="http://schemas.microsoft.com/office/powerpoint/2012/main" xmlns:p159="http://schemas.microsoft.com/office/powerpoint/2015/09/main" xmlns:p="http://schemas.openxmlformats.org/presentationml/2006/main" type="objTx" preserve="1">
   <p:cSld name="Content with Caption">
     <p:spTree>
       <p:nvGrpSpPr>
-        <p:cNvPr id="1" name=""/>
+        <p:cNvPr id="1" name="" title=""/>
         <p:cNvGrpSpPr/>
         <p:nvPr/>
       </p:nvGrpSpPr>
@@ -2381,7 +2381,7 @@
       </p:grpSpPr>
       <p:sp>
         <p:nvSpPr>
-          <p:cNvPr id="2" name="Title 1"/>
+          <p:cNvPr id="2" name="Title 1" title=""/>
           <p:cNvSpPr>
             <a:spLocks noGrp="1"/>
           </p:cNvSpPr>
@@ -2408,7 +2408,7 @@
       </p:sp>
       <p:sp>
         <p:nvSpPr>
-          <p:cNvPr id="3" name="Content Placeholder 2"/>
+          <p:cNvPr id="3" name="Content Placeholder 2" title=""/>
           <p:cNvSpPr>
             <a:spLocks noGrp="1"/>
           </p:cNvSpPr>
@@ -2487,7 +2487,7 @@
       </p:sp>
       <p:sp>
         <p:nvSpPr>
-          <p:cNvPr id="4" name="Text Placeholder 3"/>
+          <p:cNvPr id="4" name="Text Placeholder 3" title=""/>
           <p:cNvSpPr>
             <a:spLocks noGrp="1"/>
           </p:cNvSpPr>
@@ -2546,7 +2546,7 @@
       </p:sp>
       <p:sp>
         <p:nvSpPr>
-          <p:cNvPr id="5" name="Date Placeholder 4"/>
+          <p:cNvPr id="5" name="Date Placeholder 4" title=""/>
           <p:cNvSpPr>
             <a:spLocks noGrp="1"/>
           </p:cNvSpPr>
@@ -2559,7 +2559,7 @@
           <a:bodyPr/>
           <a:lstStyle/>
           <a:p>
-            <a:fld id="{C5C06556-9C0D-453B-AA12-7EFC63EFBE26}" type="datetimeFigureOut">
+            <a:fld id="{01E01A12-8CDE-4AA6-BFBF-8933EA655AE3}" type="datetimeFigureOut">
               <a:rPr lang="en-US" smtClean="0"/>
               <a:t>11/7/2009</a:t>
             </a:fld>
@@ -2569,7 +2569,7 @@
       </p:sp>
       <p:sp>
         <p:nvSpPr>
-          <p:cNvPr id="6" name="Footer Placeholder 5"/>
+          <p:cNvPr id="6" name="Footer Placeholder 5" title=""/>
           <p:cNvSpPr>
             <a:spLocks noGrp="1"/>
           </p:cNvSpPr>
@@ -2588,7 +2588,7 @@
       </p:sp>
       <p:sp>
         <p:nvSpPr>
-          <p:cNvPr id="7" name="Slide Number Placeholder 6"/>
+          <p:cNvPr id="7" name="Slide Number Placeholder 6" title=""/>
           <p:cNvSpPr>
             <a:spLocks noGrp="1"/>
           </p:cNvSpPr>
@@ -2620,11 +2620,11 @@
 </file>
 
 <file path=ppt/slideLayouts/slideLayout9.xml><?xml version="1.0" encoding="utf-8"?>
-<p:sldLayout xmlns:a="http://schemas.openxmlformats.org/drawingml/2006/main" xmlns:r="http://schemas.openxmlformats.org/officeDocument/2006/relationships" xmlns:p14="http://schemas.microsoft.com/office/powerpoint/2010/main" xmlns:a14="http://schemas.microsoft.com/office/drawing/2010/main" xmlns:p15="http://schemas.microsoft.com/office/powerpoint/2012/main" xmlns:p159="http://schemas.microsoft.com/office/powerpoint/2015/09/main" xmlns:p="http://schemas.openxmlformats.org/presentationml/2006/main" type="picTx" preserve="1">
+<p:sldLayout xmlns:a="http://schemas.openxmlformats.org/drawingml/2006/main" xmlns:r="http://schemas.openxmlformats.org/officeDocument/2006/relationships" xmlns:m="http://schemas.openxmlformats.org/officeDocument/2006/math" xmlns:w="http://schemas.openxmlformats.org/wordprocessingml/2006/main" xmlns:wp="http://schemas.openxmlformats.org/drawingml/2006/wordprocessingDrawing" xmlns:a14="http://schemas.microsoft.com/office/drawing/2010/main" xmlns:mc="http://schemas.openxmlformats.org/markup-compatibility/2006" xmlns:p14="http://schemas.microsoft.com/office/powerpoint/2010/main" xmlns:p15="http://schemas.microsoft.com/office/powerpoint/2012/main" xmlns:p159="http://schemas.microsoft.com/office/powerpoint/2015/09/main" xmlns:p="http://schemas.openxmlformats.org/presentationml/2006/main" type="picTx" preserve="1">
   <p:cSld name="Picture with Caption">
     <p:spTree>
       <p:nvGrpSpPr>
-        <p:cNvPr id="1" name=""/>
+        <p:cNvPr id="1" name="" title=""/>
         <p:cNvGrpSpPr/>
         <p:nvPr/>
       </p:nvGrpSpPr>
@@ -2636,7 +2636,7 @@
       </p:grpSpPr>
       <p:sp>
         <p:nvSpPr>
-          <p:cNvPr id="2" name="Title 1"/>
+          <p:cNvPr id="2" name="Title 1" title=""/>
           <p:cNvSpPr>
             <a:spLocks noGrp="1"/>
           </p:cNvSpPr>
@@ -2663,7 +2663,7 @@
       </p:sp>
       <p:sp>
         <p:nvSpPr>
-          <p:cNvPr id="3" name="Picture Placeholder 2"/>
+          <p:cNvPr id="3" name="Picture Placeholder 2" title=""/>
           <p:cNvSpPr>
             <a:spLocks noGrp="1"/>
           </p:cNvSpPr>
@@ -2719,7 +2719,7 @@
       </p:sp>
       <p:sp>
         <p:nvSpPr>
-          <p:cNvPr id="4" name="Text Placeholder 3"/>
+          <p:cNvPr id="4" name="Text Placeholder 3" title=""/>
           <p:cNvSpPr>
             <a:spLocks noGrp="1"/>
           </p:cNvSpPr>
@@ -2778,7 +2778,7 @@
       </p:sp>
       <p:sp>
         <p:nvSpPr>
-          <p:cNvPr id="5" name="Date Placeholder 4"/>
+          <p:cNvPr id="5" name="Date Placeholder 4" title=""/>
           <p:cNvSpPr>
             <a:spLocks noGrp="1"/>
           </p:cNvSpPr>
@@ -2791,7 +2791,7 @@
           <a:bodyPr/>
           <a:lstStyle/>
           <a:p>
-            <a:fld id="{00BFD42F-E9D8-4933-AC2E-1A3CFA41F593}" type="datetimeFigureOut">
+            <a:fld id="{1EDAA8D1-F26C-45CF-8A78-7B7C74C48891}" type="datetimeFigureOut">
               <a:rPr lang="en-US" smtClean="0"/>
               <a:t>11/7/2009</a:t>
             </a:fld>
@@ -2801,7 +2801,7 @@
       </p:sp>
       <p:sp>
         <p:nvSpPr>
-          <p:cNvPr id="6" name="Footer Placeholder 5"/>
+          <p:cNvPr id="6" name="Footer Placeholder 5" title=""/>
           <p:cNvSpPr>
             <a:spLocks noGrp="1"/>
           </p:cNvSpPr>
@@ -2820,7 +2820,7 @@
       </p:sp>
       <p:sp>
         <p:nvSpPr>
-          <p:cNvPr id="7" name="Slide Number Placeholder 6"/>
+          <p:cNvPr id="7" name="Slide Number Placeholder 6" title=""/>
           <p:cNvSpPr>
             <a:spLocks noGrp="1"/>
           </p:cNvSpPr>
@@ -2852,7 +2852,7 @@
 </file>
 
 <file path=ppt/slideMasters/slideMaster1.xml><?xml version="1.0" encoding="utf-8"?>
-<p:sldMaster xmlns:a="http://schemas.openxmlformats.org/drawingml/2006/main" xmlns:r="http://schemas.openxmlformats.org/officeDocument/2006/relationships" xmlns:p14="http://schemas.microsoft.com/office/powerpoint/2010/main" xmlns:a14="http://schemas.microsoft.com/office/drawing/2010/main" xmlns:p15="http://schemas.microsoft.com/office/powerpoint/2012/main" xmlns:p159="http://schemas.microsoft.com/office/powerpoint/2015/09/main" xmlns:p="http://schemas.openxmlformats.org/presentationml/2006/main">
+<p:sldMaster xmlns:a="http://schemas.openxmlformats.org/drawingml/2006/main" xmlns:r="http://schemas.openxmlformats.org/officeDocument/2006/relationships" xmlns:m="http://schemas.openxmlformats.org/officeDocument/2006/math" xmlns:w="http://schemas.openxmlformats.org/wordprocessingml/2006/main" xmlns:wp="http://schemas.openxmlformats.org/drawingml/2006/wordprocessingDrawing" xmlns:a14="http://schemas.microsoft.com/office/drawing/2010/main" xmlns:mc="http://schemas.openxmlformats.org/markup-compatibility/2006" xmlns:p14="http://schemas.microsoft.com/office/powerpoint/2010/main" xmlns:p15="http://schemas.microsoft.com/office/powerpoint/2012/main" xmlns:p159="http://schemas.microsoft.com/office/powerpoint/2015/09/main" xmlns:p="http://schemas.openxmlformats.org/presentationml/2006/main">
   <p:cSld>
     <p:bg>
       <p:bgRef idx="1001">
@@ -2861,7 +2861,7 @@
     </p:bg>
     <p:spTree>
       <p:nvGrpSpPr>
-        <p:cNvPr id="1" name=""/>
+        <p:cNvPr id="1" name="" title=""/>
         <p:cNvGrpSpPr/>
         <p:nvPr/>
       </p:nvGrpSpPr>
@@ -2873,7 +2873,7 @@
       </p:grpSpPr>
       <p:sp>
         <p:nvSpPr>
-          <p:cNvPr id="2" name="Title Placeholder 1"/>
+          <p:cNvPr id="2" name="Title Placeholder 1" title=""/>
           <p:cNvSpPr>
             <a:spLocks noGrp="1"/>
           </p:cNvSpPr>
@@ -2906,7 +2906,7 @@
       </p:sp>
       <p:sp>
         <p:nvSpPr>
-          <p:cNvPr id="3" name="Text Placeholder 2"/>
+          <p:cNvPr id="3" name="Text Placeholder 2" title=""/>
           <p:cNvSpPr>
             <a:spLocks noGrp="1"/>
           </p:cNvSpPr>
@@ -2967,7 +2967,7 @@
       </p:sp>
       <p:sp>
         <p:nvSpPr>
-          <p:cNvPr id="4" name="Date Placeholder 3"/>
+          <p:cNvPr id="4" name="Date Placeholder 3" title=""/>
           <p:cNvSpPr>
             <a:spLocks noGrp="1"/>
           </p:cNvSpPr>
@@ -3008,7 +3008,7 @@
       </p:sp>
       <p:sp>
         <p:nvSpPr>
-          <p:cNvPr id="5" name="Footer Placeholder 4"/>
+          <p:cNvPr id="5" name="Footer Placeholder 4" title=""/>
           <p:cNvSpPr>
             <a:spLocks noGrp="1"/>
           </p:cNvSpPr>
@@ -3045,7 +3045,7 @@
       </p:sp>
       <p:sp>
         <p:nvSpPr>
-          <p:cNvPr id="6" name="Slide Number Placeholder 5"/>
+          <p:cNvPr id="6" name="Slide Number Placeholder 5" title=""/>
           <p:cNvSpPr>
             <a:spLocks noGrp="1"/>
           </p:cNvSpPr>
@@ -3356,11 +3356,11 @@
 </file>
 
 <file path=ppt/slides/slide1.xml><?xml version="1.0" encoding="utf-8"?>
-<p:sld xmlns:a="http://schemas.openxmlformats.org/drawingml/2006/main" xmlns:r="http://schemas.openxmlformats.org/officeDocument/2006/relationships" xmlns:p14="http://schemas.microsoft.com/office/powerpoint/2010/main" xmlns:a14="http://schemas.microsoft.com/office/drawing/2010/main" xmlns:p15="http://schemas.microsoft.com/office/powerpoint/2012/main" xmlns:p159="http://schemas.microsoft.com/office/powerpoint/2015/09/main" xmlns:p="http://schemas.openxmlformats.org/presentationml/2006/main">
+<p:sld xmlns:a="http://schemas.openxmlformats.org/drawingml/2006/main" xmlns:r="http://schemas.openxmlformats.org/officeDocument/2006/relationships" xmlns:m="http://schemas.openxmlformats.org/officeDocument/2006/math" xmlns:w="http://schemas.openxmlformats.org/wordprocessingml/2006/main" xmlns:wp="http://schemas.openxmlformats.org/drawingml/2006/wordprocessingDrawing" xmlns:a14="http://schemas.microsoft.com/office/drawing/2010/main" xmlns:mc="http://schemas.openxmlformats.org/markup-compatibility/2006" xmlns:p14="http://schemas.microsoft.com/office/powerpoint/2010/main" xmlns:p15="http://schemas.microsoft.com/office/powerpoint/2012/main" xmlns:p159="http://schemas.microsoft.com/office/powerpoint/2015/09/main" xmlns:p="http://schemas.openxmlformats.org/presentationml/2006/main">
   <p:cSld name="">
     <p:spTree>
       <p:nvGrpSpPr>
-        <p:cNvPr id="1" name=""/>
+        <p:cNvPr id="1" name="" title=""/>
         <p:cNvGrpSpPr/>
         <p:nvPr/>
       </p:nvGrpSpPr>
@@ -3372,7 +3372,7 @@
       </p:grpSpPr>
       <p:graphicFrame>
         <p:nvGraphicFramePr>
-          <p:cNvPr id="2" name="ChartObject"/>
+          <p:cNvPr id="2" name="ChartObject" title=""/>
           <p:cNvGraphicFramePr/>
           <p:nvPr/>
         </p:nvGraphicFramePr>
@@ -3386,6 +3386,77 @@
           </a:graphicData>
         </a:graphic>
       </p:graphicFrame>
+      <p:sp>
+        <p:nvSpPr>
+          <p:cNvPr id="3" name="TextBox"/>
+          <p:cNvSpPr txBox="1">
+            <a:spLocks noGrp="1" noSelect="1" noRot="1" noMove="1"/>
+          </p:cNvSpPr>
+          <p:nvPr/>
+        </p:nvSpPr>
+        <p:spPr>
+          <a:xfrm>
+            <a:off x="1366520" y="2644140"/>
+            <a:ext cx="6411372" cy="1569660"/>
+          </a:xfrm>
+          <a:prstGeom prst="rect">
+            <a:avLst/>
+          </a:prstGeom>
+          <a:noFill/>
+        </p:spPr>
+        <p:txBody>
+          <a:bodyPr wrap="none" rtlCol="0" anchor="ctr" anchorCtr="1">
+            <a:spAutoFit/>
+          </a:bodyPr>
+          <a:lstStyle>
+            <a:lvl1pPr algn="l">
+              <a:lnSpc>
+                <a:spcPct val="150000"/>
+              </a:lnSpc>
+              <a:spcBef>
+                <a:spcPct val="0"/>
+              </a:spcBef>
+              <a:spcAft>
+                <a:spcPct val="0"/>
+              </a:spcAft>
+              <a:defRPr lang="en-US" sz="3200" b="1" noProof="1" dirty="0">
+                <a:solidFill>
+                  <a:prstClr val="red">
+                    <a:lumOff val="30000"/>
+                    <a:alpha val="40000"/>
+                  </a:prstClr>
+                </a:solidFill>
+                <a:effectLst>
+                  <a:outerShdw blurRad="50800" dist="38100" algn="tr" rotWithShape="0">
+                    <a:prstClr val="black">
+                      <a:alpha val="80000"/>
+                    </a:prstClr>
+                  </a:outerShdw>
+                </a:effectLst>
+                <a:latin typeface="Calibri" pitchFamily="34" charset="0"/>
+              </a:defRPr>
+            </a:lvl1pPr>
+          </a:lstStyle>
+          <a:p>
+            <a:pPr algn="ctr"/>
+            <a:r>
+              <a:t>Evaluation only.</a:t>
+            </a:r>
+          </a:p>
+          <a:p>
+            <a:pPr algn="ctr"/>
+            <a:r>
+              <a:t>Created with Aspose.Slides for .NET 4.0 Client Profile 21.12.</a:t>
+            </a:r>
+          </a:p>
+          <a:p>
+            <a:pPr algn="ctr"/>
+            <a:r>
+              <a:t>Copyright 2004-2021Aspose Pty Ltd.</a:t>
+            </a:r>
+          </a:p>
+        </p:txBody>
+      </p:sp>
     </p:spTree>
   </p:cSld>
   <p:clrMapOvr>
@@ -3399,10 +3470,10 @@
 <file path=ppt/tags/tag1.xml><?xml version="1.0" encoding="utf-8"?>
 <p:tagLst xmlns:p="http://schemas.openxmlformats.org/presentationml/2006/main">
   <p:tag name="AS_NET" val="4.0.30319.42000"/>
-  <p:tag name="AS_OS" val="Microsoft Windows NT 6.2.9200.0"/>
-  <p:tag name="AS_RELEASE_DATE" val="2019.06.14"/>
+  <p:tag name="AS_OS" val="Microsoft Windows NT 6.3.9600.0"/>
+  <p:tag name="AS_RELEASE_DATE" val="2021.12.14"/>
   <p:tag name="AS_TITLE" val="Aspose.Slides for .NET 4.0 Client Profile"/>
-  <p:tag name="AS_VERSION" val="19.6"/>
+  <p:tag name="AS_VERSION" val="21.12"/>
 </p:tagLst>
 </file>
 
